--- a/data/marker.pptx
+++ b/data/marker.pptx
@@ -3860,7 +3860,7 @@
         </p:blipFill>
         <p:spPr bwMode="auto">
           <a:xfrm>
-            <a:off x="6980626" y="0"/>
+            <a:off x="6850296" y="3852"/>
             <a:ext cx="3425148" cy="3425148"/>
           </a:xfrm>
           <a:prstGeom prst="rect">
@@ -3876,6 +3876,66 @@
               </a14:hiddenFill>
             </a:ext>
           </a:extLst>
+        </p:spPr>
+      </p:pic>
+      <p:pic>
+        <p:nvPicPr>
+          <p:cNvPr id="2" name="図 1">
+            <a:extLst>
+              <a:ext uri="{FF2B5EF4-FFF2-40B4-BE49-F238E27FC236}">
+                <a16:creationId xmlns:a16="http://schemas.microsoft.com/office/drawing/2014/main" id="{A3A874DC-CB80-9A4A-84CB-97AD5C30EC4A}"/>
+              </a:ext>
+            </a:extLst>
+          </p:cNvPr>
+          <p:cNvPicPr>
+            <a:picLocks noChangeAspect="1"/>
+          </p:cNvPicPr>
+          <p:nvPr/>
+        </p:nvPicPr>
+        <p:blipFill>
+          <a:blip r:embed="rId9"/>
+          <a:stretch>
+            <a:fillRect/>
+          </a:stretch>
+        </p:blipFill>
+        <p:spPr>
+          <a:xfrm>
+            <a:off x="6850295" y="3428999"/>
+            <a:ext cx="3425149" cy="3425149"/>
+          </a:xfrm>
+          <a:prstGeom prst="rect">
+            <a:avLst/>
+          </a:prstGeom>
+        </p:spPr>
+      </p:pic>
+      <p:pic>
+        <p:nvPicPr>
+          <p:cNvPr id="3" name="図 2">
+            <a:extLst>
+              <a:ext uri="{FF2B5EF4-FFF2-40B4-BE49-F238E27FC236}">
+                <a16:creationId xmlns:a16="http://schemas.microsoft.com/office/drawing/2014/main" id="{1A9103C0-17ED-E348-A6D1-A18275FE5A7B}"/>
+              </a:ext>
+            </a:extLst>
+          </p:cNvPr>
+          <p:cNvPicPr>
+            <a:picLocks noChangeAspect="1"/>
+          </p:cNvPicPr>
+          <p:nvPr/>
+        </p:nvPicPr>
+        <p:blipFill>
+          <a:blip r:embed="rId10"/>
+          <a:stretch>
+            <a:fillRect/>
+          </a:stretch>
+        </p:blipFill>
+        <p:spPr>
+          <a:xfrm>
+            <a:off x="3423221" y="3425146"/>
+            <a:ext cx="3429002" cy="3429002"/>
+          </a:xfrm>
+          <a:prstGeom prst="rect">
+            <a:avLst/>
+          </a:prstGeom>
         </p:spPr>
       </p:pic>
     </p:spTree>
@@ -4500,6 +4560,36 @@
       </p:grpSpPr>
       <p:pic>
         <p:nvPicPr>
+          <p:cNvPr id="19" name="図 18">
+            <a:extLst>
+              <a:ext uri="{FF2B5EF4-FFF2-40B4-BE49-F238E27FC236}">
+                <a16:creationId xmlns:a16="http://schemas.microsoft.com/office/drawing/2014/main" id="{9E64349E-70C8-6E4A-9CCC-19F678D1D713}"/>
+              </a:ext>
+            </a:extLst>
+          </p:cNvPr>
+          <p:cNvPicPr>
+            <a:picLocks noChangeAspect="1"/>
+          </p:cNvPicPr>
+          <p:nvPr/>
+        </p:nvPicPr>
+        <p:blipFill>
+          <a:blip r:embed="rId2"/>
+          <a:stretch>
+            <a:fillRect/>
+          </a:stretch>
+        </p:blipFill>
+        <p:spPr>
+          <a:xfrm>
+            <a:off x="8771998" y="3450184"/>
+            <a:ext cx="3429002" cy="3429002"/>
+          </a:xfrm>
+          <a:prstGeom prst="rect">
+            <a:avLst/>
+          </a:prstGeom>
+        </p:spPr>
+      </p:pic>
+      <p:pic>
+        <p:nvPicPr>
           <p:cNvPr id="32" name="Picture 4" descr="pin (600×600)">
             <a:extLst>
               <a:ext uri="{FF2B5EF4-FFF2-40B4-BE49-F238E27FC236}">
@@ -4513,7 +4603,7 @@
           <p:nvPr/>
         </p:nvPicPr>
         <p:blipFill>
-          <a:blip r:embed="rId2">
+          <a:blip r:embed="rId3">
             <a:extLst>
               <a:ext uri="{28A0092B-C50C-407E-A947-70E740481C1C}">
                 <a14:useLocalDpi xmlns:a14="http://schemas.microsoft.com/office/drawing/2010/main" val="0"/>
@@ -4560,7 +4650,7 @@
           <p:nvPr/>
         </p:nvPicPr>
         <p:blipFill>
-          <a:blip r:embed="rId2">
+          <a:blip r:embed="rId3">
             <a:extLst>
               <a:ext uri="{28A0092B-C50C-407E-A947-70E740481C1C}">
                 <a14:useLocalDpi xmlns:a14="http://schemas.microsoft.com/office/drawing/2010/main" val="0"/>
@@ -4607,7 +4697,7 @@
           <p:nvPr/>
         </p:nvPicPr>
         <p:blipFill>
-          <a:blip r:embed="rId2">
+          <a:blip r:embed="rId3">
             <a:extLst>
               <a:ext uri="{28A0092B-C50C-407E-A947-70E740481C1C}">
                 <a14:useLocalDpi xmlns:a14="http://schemas.microsoft.com/office/drawing/2010/main" val="0"/>
@@ -4654,7 +4744,7 @@
           <p:nvPr/>
         </p:nvPicPr>
         <p:blipFill>
-          <a:blip r:embed="rId2">
+          <a:blip r:embed="rId3">
             <a:extLst>
               <a:ext uri="{28A0092B-C50C-407E-A947-70E740481C1C}">
                 <a14:useLocalDpi xmlns:a14="http://schemas.microsoft.com/office/drawing/2010/main" val="0"/>
@@ -4701,7 +4791,7 @@
           <p:nvPr/>
         </p:nvPicPr>
         <p:blipFill>
-          <a:blip r:embed="rId2">
+          <a:blip r:embed="rId3">
             <a:extLst>
               <a:ext uri="{28A0092B-C50C-407E-A947-70E740481C1C}">
                 <a14:useLocalDpi xmlns:a14="http://schemas.microsoft.com/office/drawing/2010/main" val="0"/>
@@ -4748,7 +4838,7 @@
           <p:nvPr/>
         </p:nvPicPr>
         <p:blipFill>
-          <a:blip r:embed="rId2">
+          <a:blip r:embed="rId3">
             <a:extLst>
               <a:ext uri="{28A0092B-C50C-407E-A947-70E740481C1C}">
                 <a14:useLocalDpi xmlns:a14="http://schemas.microsoft.com/office/drawing/2010/main" val="0"/>
@@ -4782,56 +4872,20 @@
       </p:pic>
       <p:pic>
         <p:nvPicPr>
-          <p:cNvPr id="22" name="コンテンツ プレースホルダー 7">
-            <a:extLst>
-              <a:ext uri="{FF2B5EF4-FFF2-40B4-BE49-F238E27FC236}">
-                <a16:creationId xmlns:a16="http://schemas.microsoft.com/office/drawing/2014/main" id="{AC735214-0694-B440-8B59-1C9988824E93}"/>
-              </a:ext>
-            </a:extLst>
-          </p:cNvPr>
-          <p:cNvPicPr>
-            <a:picLocks noChangeAspect="1"/>
+          <p:cNvPr id="21" name="Picture 4" descr="pin (600×600)">
+            <a:extLst>
+              <a:ext uri="{FF2B5EF4-FFF2-40B4-BE49-F238E27FC236}">
+                <a16:creationId xmlns:a16="http://schemas.microsoft.com/office/drawing/2014/main" id="{096CD39F-F8AB-4A4A-9155-E71DFB912B81}"/>
+              </a:ext>
+            </a:extLst>
+          </p:cNvPr>
+          <p:cNvPicPr>
+            <a:picLocks noChangeAspect="1" noChangeArrowheads="1"/>
           </p:cNvPicPr>
           <p:nvPr/>
         </p:nvPicPr>
         <p:blipFill>
           <a:blip r:embed="rId3">
-            <a:extLst>
-              <a:ext uri="{96DAC541-7B7A-43D3-8B79-37D633B846F1}">
-                <asvg:svgBlip xmlns:asvg="http://schemas.microsoft.com/office/drawing/2016/SVG/main" r:embed="rId4"/>
-              </a:ext>
-            </a:extLst>
-          </a:blip>
-          <a:stretch>
-            <a:fillRect/>
-          </a:stretch>
-        </p:blipFill>
-        <p:spPr>
-          <a:xfrm>
-            <a:off x="8766851" y="3429000"/>
-            <a:ext cx="3425149" cy="3425149"/>
-          </a:xfrm>
-          <a:prstGeom prst="rect">
-            <a:avLst/>
-          </a:prstGeom>
-        </p:spPr>
-      </p:pic>
-      <p:pic>
-        <p:nvPicPr>
-          <p:cNvPr id="21" name="Picture 4" descr="pin (600×600)">
-            <a:extLst>
-              <a:ext uri="{FF2B5EF4-FFF2-40B4-BE49-F238E27FC236}">
-                <a16:creationId xmlns:a16="http://schemas.microsoft.com/office/drawing/2014/main" id="{096CD39F-F8AB-4A4A-9155-E71DFB912B81}"/>
-              </a:ext>
-            </a:extLst>
-          </p:cNvPr>
-          <p:cNvPicPr>
-            <a:picLocks noChangeAspect="1" noChangeArrowheads="1"/>
-          </p:cNvPicPr>
-          <p:nvPr/>
-        </p:nvPicPr>
-        <p:blipFill>
-          <a:blip r:embed="rId2">
             <a:extLst>
               <a:ext uri="{28A0092B-C50C-407E-A947-70E740481C1C}">
                 <a14:useLocalDpi xmlns:a14="http://schemas.microsoft.com/office/drawing/2010/main" val="0"/>
@@ -4878,7 +4932,7 @@
           <p:nvPr/>
         </p:nvPicPr>
         <p:blipFill>
-          <a:blip r:embed="rId5"/>
+          <a:blip r:embed="rId4"/>
           <a:stretch>
             <a:fillRect/>
           </a:stretch>
@@ -4908,7 +4962,7 @@
           <p:nvPr/>
         </p:nvPicPr>
         <p:blipFill>
-          <a:blip r:embed="rId6"/>
+          <a:blip r:embed="rId5"/>
           <a:stretch>
             <a:fillRect/>
           </a:stretch>
@@ -4938,7 +4992,7 @@
           <p:nvPr/>
         </p:nvPicPr>
         <p:blipFill>
-          <a:blip r:embed="rId7"/>
+          <a:blip r:embed="rId6"/>
           <a:stretch>
             <a:fillRect/>
           </a:stretch>
@@ -4968,7 +5022,7 @@
           <p:nvPr/>
         </p:nvPicPr>
         <p:blipFill>
-          <a:blip r:embed="rId8"/>
+          <a:blip r:embed="rId7"/>
           <a:stretch>
             <a:fillRect/>
           </a:stretch>
@@ -4998,7 +5052,7 @@
           <p:nvPr/>
         </p:nvPicPr>
         <p:blipFill>
-          <a:blip r:embed="rId9"/>
+          <a:blip r:embed="rId8"/>
           <a:stretch>
             <a:fillRect/>
           </a:stretch>
@@ -5028,7 +5082,7 @@
           <p:nvPr/>
         </p:nvPicPr>
         <p:blipFill>
-          <a:blip r:embed="rId10"/>
+          <a:blip r:embed="rId9"/>
           <a:stretch>
             <a:fillRect/>
           </a:stretch>
@@ -5058,7 +5112,7 @@
           <p:nvPr/>
         </p:nvPicPr>
         <p:blipFill>
-          <a:blip r:embed="rId11"/>
+          <a:blip r:embed="rId10"/>
           <a:stretch>
             <a:fillRect/>
           </a:stretch>
@@ -5088,7 +5142,7 @@
           <p:nvPr/>
         </p:nvPicPr>
         <p:blipFill>
-          <a:blip r:embed="rId12"/>
+          <a:blip r:embed="rId11"/>
           <a:stretch>
             <a:fillRect/>
           </a:stretch>
@@ -5781,6 +5835,156 @@
       </p:grpSpPr>
       <p:pic>
         <p:nvPicPr>
+          <p:cNvPr id="34" name="図 33">
+            <a:extLst>
+              <a:ext uri="{FF2B5EF4-FFF2-40B4-BE49-F238E27FC236}">
+                <a16:creationId xmlns:a16="http://schemas.microsoft.com/office/drawing/2014/main" id="{A66E6C8F-9E82-0B45-8F71-86C295E840C5}"/>
+              </a:ext>
+            </a:extLst>
+          </p:cNvPr>
+          <p:cNvPicPr>
+            <a:picLocks noChangeAspect="1"/>
+          </p:cNvPicPr>
+          <p:nvPr/>
+        </p:nvPicPr>
+        <p:blipFill>
+          <a:blip r:embed="rId2"/>
+          <a:stretch>
+            <a:fillRect/>
+          </a:stretch>
+        </p:blipFill>
+        <p:spPr>
+          <a:xfrm>
+            <a:off x="8775851" y="16369"/>
+            <a:ext cx="3429002" cy="3429002"/>
+          </a:xfrm>
+          <a:prstGeom prst="rect">
+            <a:avLst/>
+          </a:prstGeom>
+        </p:spPr>
+      </p:pic>
+      <p:pic>
+        <p:nvPicPr>
+          <p:cNvPr id="27" name="図 26">
+            <a:extLst>
+              <a:ext uri="{FF2B5EF4-FFF2-40B4-BE49-F238E27FC236}">
+                <a16:creationId xmlns:a16="http://schemas.microsoft.com/office/drawing/2014/main" id="{38F54E70-FB26-9547-AD56-4F3936592BA6}"/>
+              </a:ext>
+            </a:extLst>
+          </p:cNvPr>
+          <p:cNvPicPr>
+            <a:picLocks noChangeAspect="1"/>
+          </p:cNvPicPr>
+          <p:nvPr/>
+        </p:nvPicPr>
+        <p:blipFill>
+          <a:blip r:embed="rId2"/>
+          <a:stretch>
+            <a:fillRect/>
+          </a:stretch>
+        </p:blipFill>
+        <p:spPr>
+          <a:xfrm>
+            <a:off x="0" y="3475221"/>
+            <a:ext cx="3429002" cy="3429002"/>
+          </a:xfrm>
+          <a:prstGeom prst="rect">
+            <a:avLst/>
+          </a:prstGeom>
+        </p:spPr>
+      </p:pic>
+      <p:pic>
+        <p:nvPicPr>
+          <p:cNvPr id="30" name="図 29">
+            <a:extLst>
+              <a:ext uri="{FF2B5EF4-FFF2-40B4-BE49-F238E27FC236}">
+                <a16:creationId xmlns:a16="http://schemas.microsoft.com/office/drawing/2014/main" id="{112A3C65-399B-794A-8825-B55EA5307E35}"/>
+              </a:ext>
+            </a:extLst>
+          </p:cNvPr>
+          <p:cNvPicPr>
+            <a:picLocks noChangeAspect="1"/>
+          </p:cNvPicPr>
+          <p:nvPr/>
+        </p:nvPicPr>
+        <p:blipFill>
+          <a:blip r:embed="rId2"/>
+          <a:stretch>
+            <a:fillRect/>
+          </a:stretch>
+        </p:blipFill>
+        <p:spPr>
+          <a:xfrm>
+            <a:off x="2812303" y="3490628"/>
+            <a:ext cx="3429002" cy="3429002"/>
+          </a:xfrm>
+          <a:prstGeom prst="rect">
+            <a:avLst/>
+          </a:prstGeom>
+        </p:spPr>
+      </p:pic>
+      <p:pic>
+        <p:nvPicPr>
+          <p:cNvPr id="31" name="図 30">
+            <a:extLst>
+              <a:ext uri="{FF2B5EF4-FFF2-40B4-BE49-F238E27FC236}">
+                <a16:creationId xmlns:a16="http://schemas.microsoft.com/office/drawing/2014/main" id="{9540544A-591A-C147-B8D4-883D26DAF983}"/>
+              </a:ext>
+            </a:extLst>
+          </p:cNvPr>
+          <p:cNvPicPr>
+            <a:picLocks noChangeAspect="1"/>
+          </p:cNvPicPr>
+          <p:nvPr/>
+        </p:nvPicPr>
+        <p:blipFill>
+          <a:blip r:embed="rId2"/>
+          <a:stretch>
+            <a:fillRect/>
+          </a:stretch>
+        </p:blipFill>
+        <p:spPr>
+          <a:xfrm>
+            <a:off x="5807173" y="3494479"/>
+            <a:ext cx="3429002" cy="3429002"/>
+          </a:xfrm>
+          <a:prstGeom prst="rect">
+            <a:avLst/>
+          </a:prstGeom>
+        </p:spPr>
+      </p:pic>
+      <p:pic>
+        <p:nvPicPr>
+          <p:cNvPr id="32" name="図 31">
+            <a:extLst>
+              <a:ext uri="{FF2B5EF4-FFF2-40B4-BE49-F238E27FC236}">
+                <a16:creationId xmlns:a16="http://schemas.microsoft.com/office/drawing/2014/main" id="{66639231-047D-EF4E-903D-C0EF47EC2F59}"/>
+              </a:ext>
+            </a:extLst>
+          </p:cNvPr>
+          <p:cNvPicPr>
+            <a:picLocks noChangeAspect="1"/>
+          </p:cNvPicPr>
+          <p:nvPr/>
+        </p:nvPicPr>
+        <p:blipFill>
+          <a:blip r:embed="rId2"/>
+          <a:stretch>
+            <a:fillRect/>
+          </a:stretch>
+        </p:blipFill>
+        <p:spPr>
+          <a:xfrm>
+            <a:off x="8775851" y="3461740"/>
+            <a:ext cx="3429002" cy="3429002"/>
+          </a:xfrm>
+          <a:prstGeom prst="rect">
+            <a:avLst/>
+          </a:prstGeom>
+        </p:spPr>
+      </p:pic>
+      <p:pic>
+        <p:nvPicPr>
           <p:cNvPr id="28" name="Picture 4" descr="pin (600×600)">
             <a:extLst>
               <a:ext uri="{FF2B5EF4-FFF2-40B4-BE49-F238E27FC236}">
@@ -5794,7 +5998,7 @@
           <p:nvPr/>
         </p:nvPicPr>
         <p:blipFill>
-          <a:blip r:embed="rId2">
+          <a:blip r:embed="rId3">
             <a:extLst>
               <a:ext uri="{28A0092B-C50C-407E-A947-70E740481C1C}">
                 <a14:useLocalDpi xmlns:a14="http://schemas.microsoft.com/office/drawing/2010/main" val="0"/>
@@ -5841,7 +6045,7 @@
           <p:nvPr/>
         </p:nvPicPr>
         <p:blipFill>
-          <a:blip r:embed="rId2">
+          <a:blip r:embed="rId3">
             <a:extLst>
               <a:ext uri="{28A0092B-C50C-407E-A947-70E740481C1C}">
                 <a14:useLocalDpi xmlns:a14="http://schemas.microsoft.com/office/drawing/2010/main" val="0"/>
@@ -5888,7 +6092,7 @@
           <p:nvPr/>
         </p:nvPicPr>
         <p:blipFill>
-          <a:blip r:embed="rId2">
+          <a:blip r:embed="rId3">
             <a:extLst>
               <a:ext uri="{28A0092B-C50C-407E-A947-70E740481C1C}">
                 <a14:useLocalDpi xmlns:a14="http://schemas.microsoft.com/office/drawing/2010/main" val="0"/>
@@ -5935,7 +6139,7 @@
           <p:nvPr/>
         </p:nvPicPr>
         <p:blipFill>
-          <a:blip r:embed="rId3"/>
+          <a:blip r:embed="rId4"/>
           <a:stretch>
             <a:fillRect/>
           </a:stretch>
@@ -5965,7 +6169,7 @@
           <p:nvPr/>
         </p:nvPicPr>
         <p:blipFill>
-          <a:blip r:embed="rId4"/>
+          <a:blip r:embed="rId5"/>
           <a:stretch>
             <a:fillRect/>
           </a:stretch>
@@ -5995,7 +6199,7 @@
           <p:nvPr/>
         </p:nvPicPr>
         <p:blipFill>
-          <a:blip r:embed="rId5"/>
+          <a:blip r:embed="rId6"/>
           <a:stretch>
             <a:fillRect/>
           </a:stretch>
@@ -6012,10 +6216,10 @@
       </p:pic>
       <p:pic>
         <p:nvPicPr>
-          <p:cNvPr id="24" name="コンテンツ プレースホルダー 7">
-            <a:extLst>
-              <a:ext uri="{FF2B5EF4-FFF2-40B4-BE49-F238E27FC236}">
-                <a16:creationId xmlns:a16="http://schemas.microsoft.com/office/drawing/2014/main" id="{F99979AD-940C-2A45-8102-4B24E0B64BB4}"/>
+          <p:cNvPr id="10" name="図 9">
+            <a:extLst>
+              <a:ext uri="{FF2B5EF4-FFF2-40B4-BE49-F238E27FC236}">
+                <a16:creationId xmlns:a16="http://schemas.microsoft.com/office/drawing/2014/main" id="{73192DAE-2FE5-8142-9D3E-073F82185720}"/>
               </a:ext>
             </a:extLst>
           </p:cNvPr>
@@ -6025,43 +6229,7 @@
           <p:nvPr/>
         </p:nvPicPr>
         <p:blipFill>
-          <a:blip r:embed="rId6">
-            <a:extLst>
-              <a:ext uri="{96DAC541-7B7A-43D3-8B79-37D633B846F1}">
-                <asvg:svgBlip xmlns:asvg="http://schemas.microsoft.com/office/drawing/2016/SVG/main" r:embed="rId7"/>
-              </a:ext>
-            </a:extLst>
-          </a:blip>
-          <a:stretch>
-            <a:fillRect/>
-          </a:stretch>
-        </p:blipFill>
-        <p:spPr>
-          <a:xfrm>
-            <a:off x="8766851" y="3851"/>
-            <a:ext cx="3425149" cy="3425149"/>
-          </a:xfrm>
-          <a:prstGeom prst="rect">
-            <a:avLst/>
-          </a:prstGeom>
-        </p:spPr>
-      </p:pic>
-      <p:pic>
-        <p:nvPicPr>
-          <p:cNvPr id="10" name="図 9">
-            <a:extLst>
-              <a:ext uri="{FF2B5EF4-FFF2-40B4-BE49-F238E27FC236}">
-                <a16:creationId xmlns:a16="http://schemas.microsoft.com/office/drawing/2014/main" id="{73192DAE-2FE5-8142-9D3E-073F82185720}"/>
-              </a:ext>
-            </a:extLst>
-          </p:cNvPr>
-          <p:cNvPicPr>
-            <a:picLocks noChangeAspect="1"/>
-          </p:cNvPicPr>
-          <p:nvPr/>
-        </p:nvPicPr>
-        <p:blipFill>
-          <a:blip r:embed="rId8"/>
+          <a:blip r:embed="rId7"/>
           <a:stretch>
             <a:fillRect/>
           </a:stretch>
@@ -6078,45 +6246,10 @@
       </p:pic>
       <p:pic>
         <p:nvPicPr>
-          <p:cNvPr id="29" name="コンテンツ プレースホルダー 7">
-            <a:extLst>
-              <a:ext uri="{FF2B5EF4-FFF2-40B4-BE49-F238E27FC236}">
-                <a16:creationId xmlns:a16="http://schemas.microsoft.com/office/drawing/2014/main" id="{7A634F3B-CCA1-F945-9014-3DB74F2010CD}"/>
-              </a:ext>
-            </a:extLst>
-          </p:cNvPr>
-          <p:cNvPicPr>
-            <a:picLocks noGrp="1" noChangeAspect="1"/>
-          </p:cNvPicPr>
-          <p:nvPr>
-            <p:ph idx="1"/>
-          </p:nvPr>
-        </p:nvPicPr>
-        <p:blipFill>
-          <a:blip r:embed="rId6">
-            <a:extLst>
-              <a:ext uri="{96DAC541-7B7A-43D3-8B79-37D633B846F1}">
-                <asvg:svgBlip xmlns:asvg="http://schemas.microsoft.com/office/drawing/2016/SVG/main" r:embed="rId7"/>
-              </a:ext>
-            </a:extLst>
-          </a:blip>
-          <a:stretch>
-            <a:fillRect/>
-          </a:stretch>
-        </p:blipFill>
-        <p:spPr>
-          <a:xfrm>
-            <a:off x="0" y="3426686"/>
-            <a:ext cx="3425149" cy="3425149"/>
-          </a:xfrm>
-        </p:spPr>
-      </p:pic>
-      <p:pic>
-        <p:nvPicPr>
-          <p:cNvPr id="35" name="コンテンツ プレースホルダー 7">
-            <a:extLst>
-              <a:ext uri="{FF2B5EF4-FFF2-40B4-BE49-F238E27FC236}">
-                <a16:creationId xmlns:a16="http://schemas.microsoft.com/office/drawing/2014/main" id="{190B7B4E-715D-3B4A-A906-9963BC016605}"/>
+          <p:cNvPr id="12" name="図 11">
+            <a:extLst>
+              <a:ext uri="{FF2B5EF4-FFF2-40B4-BE49-F238E27FC236}">
+                <a16:creationId xmlns:a16="http://schemas.microsoft.com/office/drawing/2014/main" id="{0ABC7277-8711-A64C-8566-63AF5E8066BA}"/>
               </a:ext>
             </a:extLst>
           </p:cNvPr>
@@ -6126,115 +6259,7 @@
           <p:nvPr/>
         </p:nvPicPr>
         <p:blipFill>
-          <a:blip r:embed="rId6">
-            <a:extLst>
-              <a:ext uri="{96DAC541-7B7A-43D3-8B79-37D633B846F1}">
-                <asvg:svgBlip xmlns:asvg="http://schemas.microsoft.com/office/drawing/2016/SVG/main" r:embed="rId7"/>
-              </a:ext>
-            </a:extLst>
-          </a:blip>
-          <a:stretch>
-            <a:fillRect/>
-          </a:stretch>
-        </p:blipFill>
-        <p:spPr>
-          <a:xfrm>
-            <a:off x="2803303" y="3422835"/>
-            <a:ext cx="3425149" cy="3425149"/>
-          </a:xfrm>
-          <a:prstGeom prst="rect">
-            <a:avLst/>
-          </a:prstGeom>
-        </p:spPr>
-      </p:pic>
-      <p:pic>
-        <p:nvPicPr>
-          <p:cNvPr id="37" name="コンテンツ プレースホルダー 7">
-            <a:extLst>
-              <a:ext uri="{FF2B5EF4-FFF2-40B4-BE49-F238E27FC236}">
-                <a16:creationId xmlns:a16="http://schemas.microsoft.com/office/drawing/2014/main" id="{35DB5382-CD8C-8944-BAFA-C0A885FA246B}"/>
-              </a:ext>
-            </a:extLst>
-          </p:cNvPr>
-          <p:cNvPicPr>
-            <a:picLocks noChangeAspect="1"/>
-          </p:cNvPicPr>
-          <p:nvPr/>
-        </p:nvPicPr>
-        <p:blipFill>
-          <a:blip r:embed="rId6">
-            <a:extLst>
-              <a:ext uri="{96DAC541-7B7A-43D3-8B79-37D633B846F1}">
-                <asvg:svgBlip xmlns:asvg="http://schemas.microsoft.com/office/drawing/2016/SVG/main" r:embed="rId7"/>
-              </a:ext>
-            </a:extLst>
-          </a:blip>
-          <a:stretch>
-            <a:fillRect/>
-          </a:stretch>
-        </p:blipFill>
-        <p:spPr>
-          <a:xfrm>
-            <a:off x="5785077" y="3422835"/>
-            <a:ext cx="3425149" cy="3425149"/>
-          </a:xfrm>
-          <a:prstGeom prst="rect">
-            <a:avLst/>
-          </a:prstGeom>
-        </p:spPr>
-      </p:pic>
-      <p:pic>
-        <p:nvPicPr>
-          <p:cNvPr id="39" name="コンテンツ プレースホルダー 7">
-            <a:extLst>
-              <a:ext uri="{FF2B5EF4-FFF2-40B4-BE49-F238E27FC236}">
-                <a16:creationId xmlns:a16="http://schemas.microsoft.com/office/drawing/2014/main" id="{F798863E-1019-6B49-9D2F-612B222DB57F}"/>
-              </a:ext>
-            </a:extLst>
-          </p:cNvPr>
-          <p:cNvPicPr>
-            <a:picLocks noChangeAspect="1"/>
-          </p:cNvPicPr>
-          <p:nvPr/>
-        </p:nvPicPr>
-        <p:blipFill>
-          <a:blip r:embed="rId6">
-            <a:extLst>
-              <a:ext uri="{96DAC541-7B7A-43D3-8B79-37D633B846F1}">
-                <asvg:svgBlip xmlns:asvg="http://schemas.microsoft.com/office/drawing/2016/SVG/main" r:embed="rId7"/>
-              </a:ext>
-            </a:extLst>
-          </a:blip>
-          <a:stretch>
-            <a:fillRect/>
-          </a:stretch>
-        </p:blipFill>
-        <p:spPr>
-          <a:xfrm>
-            <a:off x="8766851" y="3426686"/>
-            <a:ext cx="3425149" cy="3425149"/>
-          </a:xfrm>
-          <a:prstGeom prst="rect">
-            <a:avLst/>
-          </a:prstGeom>
-        </p:spPr>
-      </p:pic>
-      <p:pic>
-        <p:nvPicPr>
-          <p:cNvPr id="12" name="図 11">
-            <a:extLst>
-              <a:ext uri="{FF2B5EF4-FFF2-40B4-BE49-F238E27FC236}">
-                <a16:creationId xmlns:a16="http://schemas.microsoft.com/office/drawing/2014/main" id="{0ABC7277-8711-A64C-8566-63AF5E8066BA}"/>
-              </a:ext>
-            </a:extLst>
-          </p:cNvPr>
-          <p:cNvPicPr>
-            <a:picLocks noChangeAspect="1"/>
-          </p:cNvPicPr>
-          <p:nvPr/>
-        </p:nvPicPr>
-        <p:blipFill>
-          <a:blip r:embed="rId9"/>
+          <a:blip r:embed="rId8"/>
           <a:stretch>
             <a:fillRect/>
           </a:stretch>
@@ -6264,7 +6289,7 @@
           <p:nvPr/>
         </p:nvPicPr>
         <p:blipFill>
-          <a:blip r:embed="rId10"/>
+          <a:blip r:embed="rId9"/>
           <a:stretch>
             <a:fillRect/>
           </a:stretch>
@@ -6294,7 +6319,7 @@
           <p:nvPr/>
         </p:nvPicPr>
         <p:blipFill>
-          <a:blip r:embed="rId11"/>
+          <a:blip r:embed="rId10"/>
           <a:stretch>
             <a:fillRect/>
           </a:stretch>
@@ -6324,7 +6349,7 @@
           <p:nvPr/>
         </p:nvPicPr>
         <p:blipFill>
-          <a:blip r:embed="rId12"/>
+          <a:blip r:embed="rId11"/>
           <a:stretch>
             <a:fillRect/>
           </a:stretch>
@@ -6371,45 +6396,10 @@
       </p:grpSpPr>
       <p:pic>
         <p:nvPicPr>
-          <p:cNvPr id="29" name="コンテンツ プレースホルダー 7">
-            <a:extLst>
-              <a:ext uri="{FF2B5EF4-FFF2-40B4-BE49-F238E27FC236}">
-                <a16:creationId xmlns:a16="http://schemas.microsoft.com/office/drawing/2014/main" id="{7A634F3B-CCA1-F945-9014-3DB74F2010CD}"/>
-              </a:ext>
-            </a:extLst>
-          </p:cNvPr>
-          <p:cNvPicPr>
-            <a:picLocks noGrp="1" noChangeAspect="1"/>
-          </p:cNvPicPr>
-          <p:nvPr>
-            <p:ph idx="1"/>
-          </p:nvPr>
-        </p:nvPicPr>
-        <p:blipFill>
-          <a:blip r:embed="rId2">
-            <a:extLst>
-              <a:ext uri="{96DAC541-7B7A-43D3-8B79-37D633B846F1}">
-                <asvg:svgBlip xmlns:asvg="http://schemas.microsoft.com/office/drawing/2016/SVG/main" r:embed="rId3"/>
-              </a:ext>
-            </a:extLst>
-          </a:blip>
-          <a:stretch>
-            <a:fillRect/>
-          </a:stretch>
-        </p:blipFill>
-        <p:spPr>
-          <a:xfrm>
-            <a:off x="0" y="7702"/>
-            <a:ext cx="3425149" cy="3425149"/>
-          </a:xfrm>
-        </p:spPr>
-      </p:pic>
-      <p:pic>
-        <p:nvPicPr>
-          <p:cNvPr id="35" name="コンテンツ プレースホルダー 7">
-            <a:extLst>
-              <a:ext uri="{FF2B5EF4-FFF2-40B4-BE49-F238E27FC236}">
-                <a16:creationId xmlns:a16="http://schemas.microsoft.com/office/drawing/2014/main" id="{190B7B4E-715D-3B4A-A906-9963BC016605}"/>
+          <p:cNvPr id="10" name="図 9">
+            <a:extLst>
+              <a:ext uri="{FF2B5EF4-FFF2-40B4-BE49-F238E27FC236}">
+                <a16:creationId xmlns:a16="http://schemas.microsoft.com/office/drawing/2014/main" id="{EDC975A7-4D85-604D-BB9A-EA46ED011E22}"/>
               </a:ext>
             </a:extLst>
           </p:cNvPr>
@@ -6419,21 +6409,45 @@
           <p:nvPr/>
         </p:nvPicPr>
         <p:blipFill>
-          <a:blip r:embed="rId2">
-            <a:extLst>
-              <a:ext uri="{96DAC541-7B7A-43D3-8B79-37D633B846F1}">
-                <asvg:svgBlip xmlns:asvg="http://schemas.microsoft.com/office/drawing/2016/SVG/main" r:embed="rId3"/>
-              </a:ext>
-            </a:extLst>
-          </a:blip>
-          <a:stretch>
-            <a:fillRect/>
-          </a:stretch>
-        </p:blipFill>
-        <p:spPr>
-          <a:xfrm>
-            <a:off x="2803303" y="3851"/>
-            <a:ext cx="3425149" cy="3425149"/>
+          <a:blip r:embed="rId2"/>
+          <a:stretch>
+            <a:fillRect/>
+          </a:stretch>
+        </p:blipFill>
+        <p:spPr>
+          <a:xfrm>
+            <a:off x="2803213" y="75302"/>
+            <a:ext cx="3429002" cy="3429002"/>
+          </a:xfrm>
+          <a:prstGeom prst="rect">
+            <a:avLst/>
+          </a:prstGeom>
+        </p:spPr>
+      </p:pic>
+      <p:pic>
+        <p:nvPicPr>
+          <p:cNvPr id="11" name="図 10">
+            <a:extLst>
+              <a:ext uri="{FF2B5EF4-FFF2-40B4-BE49-F238E27FC236}">
+                <a16:creationId xmlns:a16="http://schemas.microsoft.com/office/drawing/2014/main" id="{CBA5A847-4B3F-F04D-9CCC-7B76A9ED4F7F}"/>
+              </a:ext>
+            </a:extLst>
+          </p:cNvPr>
+          <p:cNvPicPr>
+            <a:picLocks noChangeAspect="1"/>
+          </p:cNvPicPr>
+          <p:nvPr/>
+        </p:nvPicPr>
+        <p:blipFill>
+          <a:blip r:embed="rId2"/>
+          <a:stretch>
+            <a:fillRect/>
+          </a:stretch>
+        </p:blipFill>
+        <p:spPr>
+          <a:xfrm>
+            <a:off x="-1927" y="94128"/>
+            <a:ext cx="3429002" cy="3429002"/>
           </a:xfrm>
           <a:prstGeom prst="rect">
             <a:avLst/>
@@ -6455,6 +6469,36 @@
           <p:nvPr/>
         </p:nvPicPr>
         <p:blipFill>
+          <a:blip r:embed="rId3"/>
+          <a:stretch>
+            <a:fillRect/>
+          </a:stretch>
+        </p:blipFill>
+        <p:spPr>
+          <a:xfrm>
+            <a:off x="947069" y="784793"/>
+            <a:ext cx="1531010" cy="926664"/>
+          </a:xfrm>
+          <a:prstGeom prst="rect">
+            <a:avLst/>
+          </a:prstGeom>
+        </p:spPr>
+      </p:pic>
+      <p:pic>
+        <p:nvPicPr>
+          <p:cNvPr id="8" name="図 7">
+            <a:extLst>
+              <a:ext uri="{FF2B5EF4-FFF2-40B4-BE49-F238E27FC236}">
+                <a16:creationId xmlns:a16="http://schemas.microsoft.com/office/drawing/2014/main" id="{9436F410-F9B9-D84C-99D4-E6F52967EF43}"/>
+              </a:ext>
+            </a:extLst>
+          </p:cNvPr>
+          <p:cNvPicPr>
+            <a:picLocks noChangeAspect="1"/>
+          </p:cNvPicPr>
+          <p:nvPr/>
+        </p:nvPicPr>
+        <p:blipFill>
           <a:blip r:embed="rId4"/>
           <a:stretch>
             <a:fillRect/>
@@ -6462,37 +6506,7 @@
         </p:blipFill>
         <p:spPr>
           <a:xfrm>
-            <a:off x="947948" y="865066"/>
-            <a:ext cx="1531010" cy="926664"/>
-          </a:xfrm>
-          <a:prstGeom prst="rect">
-            <a:avLst/>
-          </a:prstGeom>
-        </p:spPr>
-      </p:pic>
-      <p:pic>
-        <p:nvPicPr>
-          <p:cNvPr id="8" name="図 7">
-            <a:extLst>
-              <a:ext uri="{FF2B5EF4-FFF2-40B4-BE49-F238E27FC236}">
-                <a16:creationId xmlns:a16="http://schemas.microsoft.com/office/drawing/2014/main" id="{9436F410-F9B9-D84C-99D4-E6F52967EF43}"/>
-              </a:ext>
-            </a:extLst>
-          </p:cNvPr>
-          <p:cNvPicPr>
-            <a:picLocks noChangeAspect="1"/>
-          </p:cNvPicPr>
-          <p:nvPr/>
-        </p:nvPicPr>
-        <p:blipFill>
-          <a:blip r:embed="rId5"/>
-          <a:stretch>
-            <a:fillRect/>
-          </a:stretch>
-        </p:blipFill>
-        <p:spPr>
-          <a:xfrm>
-            <a:off x="3876452" y="689392"/>
+            <a:off x="3876361" y="553097"/>
             <a:ext cx="1278852" cy="1390056"/>
           </a:xfrm>
           <a:prstGeom prst="rect">

--- a/data/marker.pptx
+++ b/data/marker.pptx
@@ -4580,7 +4580,7 @@
         </p:blipFill>
         <p:spPr>
           <a:xfrm>
-            <a:off x="8771998" y="3450184"/>
+            <a:off x="8762998" y="3485457"/>
             <a:ext cx="3429002" cy="3429002"/>
           </a:xfrm>
           <a:prstGeom prst="rect">
@@ -5855,7 +5855,7 @@
         </p:blipFill>
         <p:spPr>
           <a:xfrm>
-            <a:off x="8775851" y="16369"/>
+            <a:off x="8775851" y="24072"/>
             <a:ext cx="3429002" cy="3429002"/>
           </a:xfrm>
           <a:prstGeom prst="rect">
